--- a/Documents/Presentaion.pptx
+++ b/Documents/Presentaion.pptx
@@ -38240,7 +38240,7 @@
         </p:blipFill>
         <p:spPr bwMode="auto">
           <a:xfrm>
-            <a:off x="332123" y="1118015"/>
+            <a:off x="148256" y="1119324"/>
             <a:ext cx="3038475" cy="1504950"/>
           </a:xfrm>
           <a:prstGeom prst="rect">
@@ -38287,8 +38287,8 @@
         </p:blipFill>
         <p:spPr bwMode="auto">
           <a:xfrm>
-            <a:off x="3370598" y="1202392"/>
-            <a:ext cx="1336196" cy="1336196"/>
+            <a:off x="3005138" y="1202995"/>
+            <a:ext cx="1292508" cy="1292508"/>
           </a:xfrm>
           <a:prstGeom prst="rect">
             <a:avLst/>
@@ -38305,42 +38305,6 @@
           </a:extLst>
         </p:spPr>
       </p:pic>
-      <p:sp>
-        <p:nvSpPr>
-          <p:cNvPr id="2" name="TextBox 1">
-            <a:extLst>
-              <a:ext uri="{FF2B5EF4-FFF2-40B4-BE49-F238E27FC236}">
-                <a16:creationId xmlns:a16="http://schemas.microsoft.com/office/drawing/2014/main" id="{627811FE-7AB5-4579-A1DB-98105FC725F7}"/>
-              </a:ext>
-            </a:extLst>
-          </p:cNvPr>
-          <p:cNvSpPr txBox="1"/>
-          <p:nvPr/>
-        </p:nvSpPr>
-        <p:spPr>
-          <a:xfrm>
-            <a:off x="4706794" y="1299511"/>
-            <a:ext cx="1730829" cy="400110"/>
-          </a:xfrm>
-          <a:prstGeom prst="rect">
-            <a:avLst/>
-          </a:prstGeom>
-          <a:noFill/>
-        </p:spPr>
-        <p:txBody>
-          <a:bodyPr wrap="square" rtlCol="0">
-            <a:spAutoFit/>
-          </a:bodyPr>
-          <a:lstStyle/>
-          <a:p>
-            <a:r>
-              <a:rPr lang="en-US" sz="2000" b="1" dirty="0"/>
-              <a:t>GitHub</a:t>
-            </a:r>
-            <a:endParaRPr lang="bg-BG" b="1" dirty="0"/>
-          </a:p>
-        </p:txBody>
-      </p:sp>
       <p:pic>
         <p:nvPicPr>
           <p:cNvPr id="1034" name="Picture 10" descr="Microsoft Teams Full Logo transparent PNG - StickPNG">
@@ -38661,6 +38625,71 @@
           <a:xfrm>
             <a:off x="6734514" y="2592578"/>
             <a:ext cx="1744546" cy="1744546"/>
+          </a:xfrm>
+          <a:prstGeom prst="rect">
+            <a:avLst/>
+          </a:prstGeom>
+          <a:noFill/>
+          <a:extLst>
+            <a:ext uri="{909E8E84-426E-40DD-AFC4-6F175D3DCCD1}">
+              <a14:hiddenFill xmlns:a14="http://schemas.microsoft.com/office/drawing/2010/main">
+                <a:solidFill>
+                  <a:srgbClr val="FFFFFF"/>
+                </a:solidFill>
+              </a14:hiddenFill>
+            </a:ext>
+          </a:extLst>
+        </p:spPr>
+      </p:pic>
+      <p:pic>
+        <p:nvPicPr>
+          <p:cNvPr id="30" name="Picture 6" descr="Krita Icon - Free Transparent PNG Clipart Images Download">
+            <a:extLst>
+              <a:ext uri="{FF2B5EF4-FFF2-40B4-BE49-F238E27FC236}">
+                <a16:creationId xmlns:a16="http://schemas.microsoft.com/office/drawing/2014/main" id="{67C5D1BB-716B-4E8F-91BD-F20156068F3A}"/>
+              </a:ext>
+            </a:extLst>
+          </p:cNvPr>
+          <p:cNvPicPr>
+            <a:picLocks noChangeAspect="1" noChangeArrowheads="1"/>
+          </p:cNvPicPr>
+          <p:nvPr/>
+        </p:nvPicPr>
+        <p:blipFill>
+          <a:blip r:embed="rId11">
+            <a:extLst>
+              <a:ext uri="{BEBA8EAE-BF5A-486C-A8C5-ECC9F3942E4B}">
+                <a14:imgProps xmlns:a14="http://schemas.microsoft.com/office/drawing/2010/main">
+                  <a14:imgLayer r:embed="rId12">
+                    <a14:imgEffect>
+                      <a14:backgroundRemoval t="5702" b="89912" l="4167" r="94167">
+                        <a14:foregroundMark x1="11905" y1="13596" x2="4167" y2="5702"/>
+                        <a14:foregroundMark x1="4167" y1="5702" x2="11667" y2="11404"/>
+                        <a14:foregroundMark x1="69762" y1="67982" x2="72262" y2="66886"/>
+                        <a14:foregroundMark x1="90952" y1="70285" x2="94167" y2="50000"/>
+                        <a14:foregroundMark x1="94167" y1="50000" x2="89286" y2="35746"/>
+                        <a14:foregroundMark x1="69524" y1="88925" x2="57500" y2="92105"/>
+                        <a14:foregroundMark x1="57500" y1="92105" x2="35952" y2="89912"/>
+                        <a14:foregroundMark x1="35952" y1="89912" x2="35476" y2="89693"/>
+                      </a14:backgroundRemoval>
+                    </a14:imgEffect>
+                  </a14:imgLayer>
+                </a14:imgProps>
+              </a:ext>
+              <a:ext uri="{28A0092B-C50C-407E-A947-70E740481C1C}">
+                <a14:useLocalDpi xmlns:a14="http://schemas.microsoft.com/office/drawing/2010/main" val="0"/>
+              </a:ext>
+            </a:extLst>
+          </a:blip>
+          <a:srcRect/>
+          <a:stretch>
+            <a:fillRect/>
+          </a:stretch>
+        </p:blipFill>
+        <p:spPr bwMode="auto">
+          <a:xfrm>
+            <a:off x="4343542" y="1091338"/>
+            <a:ext cx="1396054" cy="1515823"/>
           </a:xfrm>
           <a:prstGeom prst="rect">
             <a:avLst/>
